--- a/Results Showcase.pptx
+++ b/Results Showcase.pptx
@@ -20,6 +20,11 @@
     <p:sldId id="269" r:id="rId14"/>
     <p:sldId id="270" r:id="rId15"/>
     <p:sldId id="271" r:id="rId16"/>
+    <p:sldId id="272" r:id="rId17"/>
+    <p:sldId id="273" r:id="rId18"/>
+    <p:sldId id="274" r:id="rId19"/>
+    <p:sldId id="275" r:id="rId20"/>
+    <p:sldId id="276" r:id="rId21"/>
   </p:sldIdLst>
   <p:sldSz cx="12192000" cy="6858000"/>
   <p:notesSz cx="6858000" cy="9144000"/>
@@ -7834,6 +7839,763 @@
 </p:sld>
 </file>
 
+<file path=ppt/slides/slide16.xml><?xml version="1.0" encoding="utf-8"?>
+<p:sld xmlns:a="http://schemas.openxmlformats.org/drawingml/2006/main" xmlns:r="http://schemas.openxmlformats.org/officeDocument/2006/relationships" xmlns:p="http://schemas.openxmlformats.org/presentationml/2006/main">
+  <p:cSld>
+    <p:spTree>
+      <p:nvGrpSpPr>
+        <p:cNvPr id="1" name=""/>
+        <p:cNvGrpSpPr/>
+        <p:nvPr/>
+      </p:nvGrpSpPr>
+      <p:grpSpPr>
+        <a:xfrm>
+          <a:off x="0" y="0"/>
+          <a:ext cx="0" cy="0"/>
+          <a:chOff x="0" y="0"/>
+          <a:chExt cx="0" cy="0"/>
+        </a:xfrm>
+      </p:grpSpPr>
+      <p:sp>
+        <p:nvSpPr>
+          <p:cNvPr id="2" name="Title 1">
+            <a:extLst>
+              <a:ext uri="{FF2B5EF4-FFF2-40B4-BE49-F238E27FC236}">
+                <a16:creationId xmlns:a16="http://schemas.microsoft.com/office/drawing/2014/main" id="{A08418E0-4AA8-4E5B-9B25-916B05E1A5C6}"/>
+              </a:ext>
+            </a:extLst>
+          </p:cNvPr>
+          <p:cNvSpPr>
+            <a:spLocks noGrp="1"/>
+          </p:cNvSpPr>
+          <p:nvPr>
+            <p:ph type="ctrTitle"/>
+          </p:nvPr>
+        </p:nvSpPr>
+        <p:spPr>
+          <a:xfrm>
+            <a:off x="913774" y="1365957"/>
+            <a:ext cx="10364452" cy="3747219"/>
+          </a:xfrm>
+        </p:spPr>
+        <p:txBody>
+          <a:bodyPr anchor="ctr">
+            <a:normAutofit/>
+          </a:bodyPr>
+          <a:lstStyle/>
+          <a:p>
+            <a:r>
+              <a:rPr lang="en-US" sz="8000" dirty="0"/>
+              <a:t>NEAT vs Neat</a:t>
+            </a:r>
+          </a:p>
+        </p:txBody>
+      </p:sp>
+      <p:sp>
+        <p:nvSpPr>
+          <p:cNvPr id="3" name="TextBox 2">
+            <a:extLst>
+              <a:ext uri="{FF2B5EF4-FFF2-40B4-BE49-F238E27FC236}">
+                <a16:creationId xmlns:a16="http://schemas.microsoft.com/office/drawing/2014/main" id="{55529AC9-0E51-420A-AECC-515FCDC2CE92}"/>
+              </a:ext>
+            </a:extLst>
+          </p:cNvPr>
+          <p:cNvSpPr txBox="1"/>
+          <p:nvPr/>
+        </p:nvSpPr>
+        <p:spPr>
+          <a:xfrm>
+            <a:off x="6944069" y="3620277"/>
+            <a:ext cx="1912062" cy="369332"/>
+          </a:xfrm>
+          <a:prstGeom prst="rect">
+            <a:avLst/>
+          </a:prstGeom>
+          <a:noFill/>
+        </p:spPr>
+        <p:txBody>
+          <a:bodyPr wrap="none" rtlCol="0">
+            <a:spAutoFit/>
+          </a:bodyPr>
+          <a:lstStyle/>
+          <a:p>
+            <a:r>
+              <a:rPr lang="en-US" dirty="0"/>
+              <a:t>(Logical operators)</a:t>
+            </a:r>
+          </a:p>
+        </p:txBody>
+      </p:sp>
+      <p:sp>
+        <p:nvSpPr>
+          <p:cNvPr id="4" name="TextBox 3">
+            <a:extLst>
+              <a:ext uri="{FF2B5EF4-FFF2-40B4-BE49-F238E27FC236}">
+                <a16:creationId xmlns:a16="http://schemas.microsoft.com/office/drawing/2014/main" id="{DB39643B-CBA8-45CE-B1C4-D3DAE314C371}"/>
+              </a:ext>
+            </a:extLst>
+          </p:cNvPr>
+          <p:cNvSpPr txBox="1"/>
+          <p:nvPr/>
+        </p:nvSpPr>
+        <p:spPr>
+          <a:xfrm>
+            <a:off x="3069773" y="3620277"/>
+            <a:ext cx="2178160" cy="369332"/>
+          </a:xfrm>
+          <a:prstGeom prst="rect">
+            <a:avLst/>
+          </a:prstGeom>
+          <a:noFill/>
+        </p:spPr>
+        <p:txBody>
+          <a:bodyPr wrap="none" rtlCol="0">
+            <a:spAutoFit/>
+          </a:bodyPr>
+          <a:lstStyle/>
+          <a:p>
+            <a:r>
+              <a:rPr lang="en-US" dirty="0"/>
+              <a:t>(Arithmetic operators)</a:t>
+            </a:r>
+          </a:p>
+        </p:txBody>
+      </p:sp>
+    </p:spTree>
+    <p:extLst>
+      <p:ext uri="{BB962C8B-B14F-4D97-AF65-F5344CB8AC3E}">
+        <p14:creationId xmlns:p14="http://schemas.microsoft.com/office/powerpoint/2010/main" val="3971823690"/>
+      </p:ext>
+    </p:extLst>
+  </p:cSld>
+  <p:clrMapOvr>
+    <a:masterClrMapping/>
+  </p:clrMapOvr>
+  <p:timing>
+    <p:tnLst>
+      <p:par>
+        <p:cTn id="1" dur="indefinite" restart="never" nodeType="tmRoot">
+          <p:childTnLst>
+            <p:seq concurrent="1" nextAc="seek">
+              <p:cTn id="2" dur="indefinite" nodeType="mainSeq">
+                <p:childTnLst>
+                  <p:par>
+                    <p:cTn id="3" fill="hold">
+                      <p:stCondLst>
+                        <p:cond delay="indefinite"/>
+                        <p:cond evt="onBegin" delay="0">
+                          <p:tn val="2"/>
+                        </p:cond>
+                      </p:stCondLst>
+                      <p:childTnLst>
+                        <p:par>
+                          <p:cTn id="4" fill="hold">
+                            <p:stCondLst>
+                              <p:cond delay="0"/>
+                            </p:stCondLst>
+                            <p:childTnLst>
+                              <p:par>
+                                <p:cTn id="5" presetID="10" presetClass="entr" presetSubtype="0" fill="hold" grpId="0" nodeType="withEffect">
+                                  <p:stCondLst>
+                                    <p:cond delay="500"/>
+                                  </p:stCondLst>
+                                  <p:iterate type="wd">
+                                    <p:tmPct val="15000"/>
+                                  </p:iterate>
+                                  <p:childTnLst>
+                                    <p:set>
+                                      <p:cBhvr>
+                                        <p:cTn id="6" dur="1" fill="hold">
+                                          <p:stCondLst>
+                                            <p:cond delay="0"/>
+                                          </p:stCondLst>
+                                        </p:cTn>
+                                        <p:tgtEl>
+                                          <p:spTgt spid="2"/>
+                                        </p:tgtEl>
+                                        <p:attrNameLst>
+                                          <p:attrName>style.visibility</p:attrName>
+                                        </p:attrNameLst>
+                                      </p:cBhvr>
+                                      <p:to>
+                                        <p:strVal val="visible"/>
+                                      </p:to>
+                                    </p:set>
+                                    <p:animEffect transition="in" filter="fade">
+                                      <p:cBhvr>
+                                        <p:cTn id="7" dur="1000"/>
+                                        <p:tgtEl>
+                                          <p:spTgt spid="2"/>
+                                        </p:tgtEl>
+                                      </p:cBhvr>
+                                    </p:animEffect>
+                                  </p:childTnLst>
+                                </p:cTn>
+                              </p:par>
+                            </p:childTnLst>
+                          </p:cTn>
+                        </p:par>
+                      </p:childTnLst>
+                    </p:cTn>
+                  </p:par>
+                </p:childTnLst>
+              </p:cTn>
+              <p:prevCondLst>
+                <p:cond evt="onPrev" delay="0">
+                  <p:tgtEl>
+                    <p:sldTgt/>
+                  </p:tgtEl>
+                </p:cond>
+              </p:prevCondLst>
+              <p:nextCondLst>
+                <p:cond evt="onNext" delay="0">
+                  <p:tgtEl>
+                    <p:sldTgt/>
+                  </p:tgtEl>
+                </p:cond>
+              </p:nextCondLst>
+            </p:seq>
+          </p:childTnLst>
+        </p:cTn>
+      </p:par>
+    </p:tnLst>
+    <p:bldLst>
+      <p:bldP spid="2" grpId="0"/>
+    </p:bldLst>
+  </p:timing>
+</p:sld>
+</file>
+
+<file path=ppt/slides/slide17.xml><?xml version="1.0" encoding="utf-8"?>
+<p:sld xmlns:a="http://schemas.openxmlformats.org/drawingml/2006/main" xmlns:r="http://schemas.openxmlformats.org/officeDocument/2006/relationships" xmlns:p="http://schemas.openxmlformats.org/presentationml/2006/main">
+  <p:cSld>
+    <p:spTree>
+      <p:nvGrpSpPr>
+        <p:cNvPr id="1" name=""/>
+        <p:cNvGrpSpPr/>
+        <p:nvPr/>
+      </p:nvGrpSpPr>
+      <p:grpSpPr>
+        <a:xfrm>
+          <a:off x="0" y="0"/>
+          <a:ext cx="0" cy="0"/>
+          <a:chOff x="0" y="0"/>
+          <a:chExt cx="0" cy="0"/>
+        </a:xfrm>
+      </p:grpSpPr>
+      <p:sp>
+        <p:nvSpPr>
+          <p:cNvPr id="2" name="Title 1">
+            <a:extLst>
+              <a:ext uri="{FF2B5EF4-FFF2-40B4-BE49-F238E27FC236}">
+                <a16:creationId xmlns:a16="http://schemas.microsoft.com/office/drawing/2014/main" id="{7D850C01-9ED7-4177-84D3-83C56A4D6BB8}"/>
+              </a:ext>
+            </a:extLst>
+          </p:cNvPr>
+          <p:cNvSpPr>
+            <a:spLocks noGrp="1"/>
+          </p:cNvSpPr>
+          <p:nvPr>
+            <p:ph type="title"/>
+          </p:nvPr>
+        </p:nvSpPr>
+        <p:spPr/>
+        <p:txBody>
+          <a:bodyPr/>
+          <a:lstStyle/>
+          <a:p>
+            <a:r>
+              <a:rPr lang="en-US" dirty="0"/>
+              <a:t>Copy Task</a:t>
+            </a:r>
+          </a:p>
+        </p:txBody>
+      </p:sp>
+      <p:sp>
+        <p:nvSpPr>
+          <p:cNvPr id="3" name="Content Placeholder 2">
+            <a:extLst>
+              <a:ext uri="{FF2B5EF4-FFF2-40B4-BE49-F238E27FC236}">
+                <a16:creationId xmlns:a16="http://schemas.microsoft.com/office/drawing/2014/main" id="{F016193F-B874-46C0-899F-D951836B24CA}"/>
+              </a:ext>
+            </a:extLst>
+          </p:cNvPr>
+          <p:cNvSpPr>
+            <a:spLocks noGrp="1"/>
+          </p:cNvSpPr>
+          <p:nvPr>
+            <p:ph sz="quarter" idx="13"/>
+          </p:nvPr>
+        </p:nvSpPr>
+        <p:spPr/>
+        <p:txBody>
+          <a:bodyPr>
+            <a:normAutofit/>
+          </a:bodyPr>
+          <a:lstStyle/>
+          <a:p>
+            <a:r>
+              <a:rPr lang="en-US" sz="1200" dirty="0"/>
+              <a:t>In the standard approach the network used arithmetic operators (add, subtract, protected division).</a:t>
+            </a:r>
+          </a:p>
+          <a:p>
+            <a:r>
+              <a:rPr lang="en-US" sz="1200" dirty="0"/>
+              <a:t>We added to those operators some logical ones to study the effect that will have on the network.</a:t>
+            </a:r>
+          </a:p>
+          <a:p>
+            <a:r>
+              <a:rPr lang="en-US" sz="1200" dirty="0"/>
+              <a:t>Logical operators added are:</a:t>
+            </a:r>
+          </a:p>
+          <a:p>
+            <a:pPr lvl="1"/>
+            <a:r>
+              <a:rPr lang="en-US" sz="1000" dirty="0"/>
+              <a:t>And, or, not</a:t>
+            </a:r>
+          </a:p>
+          <a:p>
+            <a:pPr lvl="1"/>
+            <a:r>
+              <a:rPr lang="en-US" sz="1000" dirty="0"/>
+              <a:t>Less than, Equal, </a:t>
+            </a:r>
+            <a:r>
+              <a:rPr lang="en-US" sz="1000" dirty="0" err="1"/>
+              <a:t>If_then_else</a:t>
+            </a:r>
+            <a:endParaRPr lang="en-US" sz="1000" dirty="0"/>
+          </a:p>
+          <a:p>
+            <a:pPr lvl="1"/>
+            <a:r>
+              <a:rPr lang="en-US" sz="1000" dirty="0"/>
+              <a:t>Random number generator</a:t>
+            </a:r>
+          </a:p>
+          <a:p>
+            <a:pPr lvl="1"/>
+            <a:r>
+              <a:rPr lang="en-US" sz="1000" dirty="0"/>
+              <a:t>True, false</a:t>
+            </a:r>
+          </a:p>
+          <a:p>
+            <a:pPr lvl="1"/>
+            <a:r>
+              <a:rPr lang="en-US" sz="1000" dirty="0"/>
+              <a:t>multiplication</a:t>
+            </a:r>
+          </a:p>
+          <a:p>
+            <a:pPr lvl="1"/>
+            <a:endParaRPr lang="en-US" sz="1000" dirty="0"/>
+          </a:p>
+        </p:txBody>
+      </p:sp>
+    </p:spTree>
+    <p:extLst>
+      <p:ext uri="{BB962C8B-B14F-4D97-AF65-F5344CB8AC3E}">
+        <p14:creationId xmlns:p14="http://schemas.microsoft.com/office/powerpoint/2010/main" val="144547246"/>
+      </p:ext>
+    </p:extLst>
+  </p:cSld>
+  <p:clrMapOvr>
+    <a:masterClrMapping/>
+  </p:clrMapOvr>
+</p:sld>
+</file>
+
+<file path=ppt/slides/slide18.xml><?xml version="1.0" encoding="utf-8"?>
+<p:sld xmlns:a="http://schemas.openxmlformats.org/drawingml/2006/main" xmlns:r="http://schemas.openxmlformats.org/officeDocument/2006/relationships" xmlns:p="http://schemas.openxmlformats.org/presentationml/2006/main">
+  <p:cSld>
+    <p:spTree>
+      <p:nvGrpSpPr>
+        <p:cNvPr id="1" name=""/>
+        <p:cNvGrpSpPr/>
+        <p:nvPr/>
+      </p:nvGrpSpPr>
+      <p:grpSpPr>
+        <a:xfrm>
+          <a:off x="0" y="0"/>
+          <a:ext cx="0" cy="0"/>
+          <a:chOff x="0" y="0"/>
+          <a:chExt cx="0" cy="0"/>
+        </a:xfrm>
+      </p:grpSpPr>
+      <p:sp>
+        <p:nvSpPr>
+          <p:cNvPr id="8" name="TextBox 7">
+            <a:extLst>
+              <a:ext uri="{FF2B5EF4-FFF2-40B4-BE49-F238E27FC236}">
+                <a16:creationId xmlns:a16="http://schemas.microsoft.com/office/drawing/2014/main" id="{F009A9DE-0943-4048-8EC5-E85565C8338B}"/>
+              </a:ext>
+            </a:extLst>
+          </p:cNvPr>
+          <p:cNvSpPr txBox="1"/>
+          <p:nvPr/>
+        </p:nvSpPr>
+        <p:spPr>
+          <a:xfrm>
+            <a:off x="610119" y="4775296"/>
+            <a:ext cx="3881535" cy="369332"/>
+          </a:xfrm>
+          <a:prstGeom prst="rect">
+            <a:avLst/>
+          </a:prstGeom>
+          <a:noFill/>
+        </p:spPr>
+        <p:txBody>
+          <a:bodyPr wrap="square" rtlCol="0">
+            <a:spAutoFit/>
+          </a:bodyPr>
+          <a:lstStyle/>
+          <a:p>
+            <a:r>
+              <a:rPr lang="en-US" dirty="0"/>
+              <a:t>DEAP Results (20 run)</a:t>
+            </a:r>
+          </a:p>
+        </p:txBody>
+      </p:sp>
+      <p:sp>
+        <p:nvSpPr>
+          <p:cNvPr id="9" name="TextBox 8">
+            <a:extLst>
+              <a:ext uri="{FF2B5EF4-FFF2-40B4-BE49-F238E27FC236}">
+                <a16:creationId xmlns:a16="http://schemas.microsoft.com/office/drawing/2014/main" id="{A2EF9B87-5FF0-4BC8-9C4D-B2F7174AD6B0}"/>
+              </a:ext>
+            </a:extLst>
+          </p:cNvPr>
+          <p:cNvSpPr txBox="1"/>
+          <p:nvPr/>
+        </p:nvSpPr>
+        <p:spPr>
+          <a:xfrm>
+            <a:off x="7467751" y="4775296"/>
+            <a:ext cx="3881535" cy="369332"/>
+          </a:xfrm>
+          <a:prstGeom prst="rect">
+            <a:avLst/>
+          </a:prstGeom>
+          <a:noFill/>
+        </p:spPr>
+        <p:txBody>
+          <a:bodyPr wrap="square" rtlCol="0">
+            <a:spAutoFit/>
+          </a:bodyPr>
+          <a:lstStyle/>
+          <a:p>
+            <a:r>
+              <a:rPr lang="en-US" dirty="0"/>
+              <a:t>DEAP Results (20 run)</a:t>
+            </a:r>
+          </a:p>
+        </p:txBody>
+      </p:sp>
+      <p:sp>
+        <p:nvSpPr>
+          <p:cNvPr id="10" name="TextBox 9">
+            <a:extLst>
+              <a:ext uri="{FF2B5EF4-FFF2-40B4-BE49-F238E27FC236}">
+                <a16:creationId xmlns:a16="http://schemas.microsoft.com/office/drawing/2014/main" id="{68BC9FDB-0E5B-4672-AB92-512006B2E04E}"/>
+              </a:ext>
+            </a:extLst>
+          </p:cNvPr>
+          <p:cNvSpPr txBox="1"/>
+          <p:nvPr/>
+        </p:nvSpPr>
+        <p:spPr>
+          <a:xfrm>
+            <a:off x="610119" y="5284089"/>
+            <a:ext cx="4095631" cy="276999"/>
+          </a:xfrm>
+          <a:prstGeom prst="rect">
+            <a:avLst/>
+          </a:prstGeom>
+          <a:noFill/>
+        </p:spPr>
+        <p:txBody>
+          <a:bodyPr wrap="square" rtlCol="0">
+            <a:spAutoFit/>
+          </a:bodyPr>
+          <a:lstStyle/>
+          <a:p>
+            <a:r>
+              <a:rPr lang="en-US" sz="1200" dirty="0"/>
+              <a:t>Using Arithmetic operators </a:t>
+            </a:r>
+          </a:p>
+        </p:txBody>
+      </p:sp>
+      <p:sp>
+        <p:nvSpPr>
+          <p:cNvPr id="11" name="TextBox 10">
+            <a:extLst>
+              <a:ext uri="{FF2B5EF4-FFF2-40B4-BE49-F238E27FC236}">
+                <a16:creationId xmlns:a16="http://schemas.microsoft.com/office/drawing/2014/main" id="{2A2C60A9-B15F-47D3-8FDC-F0F7909F8ACE}"/>
+              </a:ext>
+            </a:extLst>
+          </p:cNvPr>
+          <p:cNvSpPr txBox="1"/>
+          <p:nvPr/>
+        </p:nvSpPr>
+        <p:spPr>
+          <a:xfrm>
+            <a:off x="7467751" y="5191332"/>
+            <a:ext cx="2025042" cy="276999"/>
+          </a:xfrm>
+          <a:prstGeom prst="rect">
+            <a:avLst/>
+          </a:prstGeom>
+          <a:noFill/>
+        </p:spPr>
+        <p:txBody>
+          <a:bodyPr wrap="none" rtlCol="0">
+            <a:spAutoFit/>
+          </a:bodyPr>
+          <a:lstStyle/>
+          <a:p>
+            <a:r>
+              <a:rPr lang="en-US" sz="1200" dirty="0"/>
+              <a:t>With added logical operators</a:t>
+            </a:r>
+          </a:p>
+        </p:txBody>
+      </p:sp>
+      <p:pic>
+        <p:nvPicPr>
+          <p:cNvPr id="3" name="Picture 2" descr="Chart&#10;&#10;Description automatically generated">
+            <a:extLst>
+              <a:ext uri="{FF2B5EF4-FFF2-40B4-BE49-F238E27FC236}">
+                <a16:creationId xmlns:a16="http://schemas.microsoft.com/office/drawing/2014/main" id="{9929AC01-D5D4-4C55-93E5-DC921E010EF2}"/>
+              </a:ext>
+            </a:extLst>
+          </p:cNvPr>
+          <p:cNvPicPr>
+            <a:picLocks noChangeAspect="1"/>
+          </p:cNvPicPr>
+          <p:nvPr/>
+        </p:nvPicPr>
+        <p:blipFill>
+          <a:blip r:embed="rId2">
+            <a:extLst>
+              <a:ext uri="{28A0092B-C50C-407E-A947-70E740481C1C}">
+                <a14:useLocalDpi xmlns:a14="http://schemas.microsoft.com/office/drawing/2010/main" val="0"/>
+              </a:ext>
+            </a:extLst>
+          </a:blip>
+          <a:stretch>
+            <a:fillRect/>
+          </a:stretch>
+        </p:blipFill>
+        <p:spPr>
+          <a:xfrm>
+            <a:off x="457816" y="940703"/>
+            <a:ext cx="5109811" cy="3832358"/>
+          </a:xfrm>
+          <a:prstGeom prst="rect">
+            <a:avLst/>
+          </a:prstGeom>
+        </p:spPr>
+      </p:pic>
+      <p:pic>
+        <p:nvPicPr>
+          <p:cNvPr id="6" name="Picture 5" descr="Chart, bar chart, histogram&#10;&#10;Description automatically generated">
+            <a:extLst>
+              <a:ext uri="{FF2B5EF4-FFF2-40B4-BE49-F238E27FC236}">
+                <a16:creationId xmlns:a16="http://schemas.microsoft.com/office/drawing/2014/main" id="{90C07229-F738-467B-8E9D-227ECE6D0320}"/>
+              </a:ext>
+            </a:extLst>
+          </p:cNvPr>
+          <p:cNvPicPr>
+            <a:picLocks noChangeAspect="1"/>
+          </p:cNvPicPr>
+          <p:nvPr/>
+        </p:nvPicPr>
+        <p:blipFill>
+          <a:blip r:embed="rId3">
+            <a:extLst>
+              <a:ext uri="{28A0092B-C50C-407E-A947-70E740481C1C}">
+                <a14:useLocalDpi xmlns:a14="http://schemas.microsoft.com/office/drawing/2010/main" val="0"/>
+              </a:ext>
+            </a:extLst>
+          </a:blip>
+          <a:stretch>
+            <a:fillRect/>
+          </a:stretch>
+        </p:blipFill>
+        <p:spPr>
+          <a:xfrm>
+            <a:off x="6730119" y="940704"/>
+            <a:ext cx="5109811" cy="3832358"/>
+          </a:xfrm>
+          <a:prstGeom prst="rect">
+            <a:avLst/>
+          </a:prstGeom>
+        </p:spPr>
+      </p:pic>
+    </p:spTree>
+    <p:extLst>
+      <p:ext uri="{BB962C8B-B14F-4D97-AF65-F5344CB8AC3E}">
+        <p14:creationId xmlns:p14="http://schemas.microsoft.com/office/powerpoint/2010/main" val="3792621603"/>
+      </p:ext>
+    </p:extLst>
+  </p:cSld>
+  <p:clrMapOvr>
+    <a:masterClrMapping/>
+  </p:clrMapOvr>
+</p:sld>
+</file>
+
+<file path=ppt/slides/slide19.xml><?xml version="1.0" encoding="utf-8"?>
+<p:sld xmlns:a="http://schemas.openxmlformats.org/drawingml/2006/main" xmlns:r="http://schemas.openxmlformats.org/officeDocument/2006/relationships" xmlns:p="http://schemas.openxmlformats.org/presentationml/2006/main">
+  <p:cSld>
+    <p:spTree>
+      <p:nvGrpSpPr>
+        <p:cNvPr id="1" name=""/>
+        <p:cNvGrpSpPr/>
+        <p:nvPr/>
+      </p:nvGrpSpPr>
+      <p:grpSpPr>
+        <a:xfrm>
+          <a:off x="0" y="0"/>
+          <a:ext cx="0" cy="0"/>
+          <a:chOff x="0" y="0"/>
+          <a:chExt cx="0" cy="0"/>
+        </a:xfrm>
+      </p:grpSpPr>
+      <p:sp>
+        <p:nvSpPr>
+          <p:cNvPr id="2" name="Title 1">
+            <a:extLst>
+              <a:ext uri="{FF2B5EF4-FFF2-40B4-BE49-F238E27FC236}">
+                <a16:creationId xmlns:a16="http://schemas.microsoft.com/office/drawing/2014/main" id="{7D850C01-9ED7-4177-84D3-83C56A4D6BB8}"/>
+              </a:ext>
+            </a:extLst>
+          </p:cNvPr>
+          <p:cNvSpPr>
+            <a:spLocks noGrp="1"/>
+          </p:cNvSpPr>
+          <p:nvPr>
+            <p:ph type="title"/>
+          </p:nvPr>
+        </p:nvSpPr>
+        <p:spPr/>
+        <p:txBody>
+          <a:bodyPr/>
+          <a:lstStyle/>
+          <a:p>
+            <a:r>
+              <a:rPr lang="en-US" dirty="0"/>
+              <a:t>Sequence Recall</a:t>
+            </a:r>
+          </a:p>
+        </p:txBody>
+      </p:sp>
+      <p:sp>
+        <p:nvSpPr>
+          <p:cNvPr id="3" name="Content Placeholder 2">
+            <a:extLst>
+              <a:ext uri="{FF2B5EF4-FFF2-40B4-BE49-F238E27FC236}">
+                <a16:creationId xmlns:a16="http://schemas.microsoft.com/office/drawing/2014/main" id="{F016193F-B874-46C0-899F-D951836B24CA}"/>
+              </a:ext>
+            </a:extLst>
+          </p:cNvPr>
+          <p:cNvSpPr>
+            <a:spLocks noGrp="1"/>
+          </p:cNvSpPr>
+          <p:nvPr>
+            <p:ph sz="quarter" idx="13"/>
+          </p:nvPr>
+        </p:nvSpPr>
+        <p:spPr/>
+        <p:txBody>
+          <a:bodyPr>
+            <a:normAutofit/>
+          </a:bodyPr>
+          <a:lstStyle/>
+          <a:p>
+            <a:r>
+              <a:rPr lang="en-US" sz="1200" dirty="0"/>
+              <a:t>In the standard approach the network used arithmetic operators (add, subtract, protected division).</a:t>
+            </a:r>
+          </a:p>
+          <a:p>
+            <a:r>
+              <a:rPr lang="en-US" sz="1200" dirty="0"/>
+              <a:t>We added to those operators some logical ones to study the effect that will have on the network.</a:t>
+            </a:r>
+          </a:p>
+          <a:p>
+            <a:r>
+              <a:rPr lang="en-US" sz="1200" dirty="0"/>
+              <a:t>Logical operators added are:</a:t>
+            </a:r>
+          </a:p>
+          <a:p>
+            <a:pPr lvl="1"/>
+            <a:r>
+              <a:rPr lang="en-US" sz="1000" dirty="0"/>
+              <a:t>And, or, not</a:t>
+            </a:r>
+          </a:p>
+          <a:p>
+            <a:pPr lvl="1"/>
+            <a:r>
+              <a:rPr lang="en-US" sz="1000" dirty="0"/>
+              <a:t>Less than, Equal, </a:t>
+            </a:r>
+            <a:r>
+              <a:rPr lang="en-US" sz="1000" dirty="0" err="1"/>
+              <a:t>If_then_else</a:t>
+            </a:r>
+            <a:endParaRPr lang="en-US" sz="1000" dirty="0"/>
+          </a:p>
+          <a:p>
+            <a:pPr lvl="1"/>
+            <a:r>
+              <a:rPr lang="en-US" sz="1000" dirty="0"/>
+              <a:t>Random number generator</a:t>
+            </a:r>
+          </a:p>
+          <a:p>
+            <a:pPr lvl="1"/>
+            <a:r>
+              <a:rPr lang="en-US" sz="1000" dirty="0"/>
+              <a:t>True, false</a:t>
+            </a:r>
+          </a:p>
+          <a:p>
+            <a:pPr lvl="1"/>
+            <a:r>
+              <a:rPr lang="en-US" sz="1000" dirty="0"/>
+              <a:t>multiplication</a:t>
+            </a:r>
+          </a:p>
+          <a:p>
+            <a:pPr lvl="1"/>
+            <a:endParaRPr lang="en-US" sz="1000" dirty="0"/>
+          </a:p>
+        </p:txBody>
+      </p:sp>
+    </p:spTree>
+    <p:extLst>
+      <p:ext uri="{BB962C8B-B14F-4D97-AF65-F5344CB8AC3E}">
+        <p14:creationId xmlns:p14="http://schemas.microsoft.com/office/powerpoint/2010/main" val="1531992242"/>
+      </p:ext>
+    </p:extLst>
+  </p:cSld>
+  <p:clrMapOvr>
+    <a:masterClrMapping/>
+  </p:clrMapOvr>
+</p:sld>
+</file>
+
 <file path=ppt/slides/slide2.xml><?xml version="1.0" encoding="utf-8"?>
 <p:sld xmlns:a="http://schemas.openxmlformats.org/drawingml/2006/main" xmlns:r="http://schemas.openxmlformats.org/officeDocument/2006/relationships" xmlns:p="http://schemas.openxmlformats.org/presentationml/2006/main">
   <p:cSld>
@@ -7943,6 +8705,248 @@
     <p:extLst>
       <p:ext uri="{BB962C8B-B14F-4D97-AF65-F5344CB8AC3E}">
         <p14:creationId xmlns:p14="http://schemas.microsoft.com/office/powerpoint/2010/main" val="3668573178"/>
+      </p:ext>
+    </p:extLst>
+  </p:cSld>
+  <p:clrMapOvr>
+    <a:masterClrMapping/>
+  </p:clrMapOvr>
+</p:sld>
+</file>
+
+<file path=ppt/slides/slide20.xml><?xml version="1.0" encoding="utf-8"?>
+<p:sld xmlns:a="http://schemas.openxmlformats.org/drawingml/2006/main" xmlns:r="http://schemas.openxmlformats.org/officeDocument/2006/relationships" xmlns:p="http://schemas.openxmlformats.org/presentationml/2006/main">
+  <p:cSld>
+    <p:spTree>
+      <p:nvGrpSpPr>
+        <p:cNvPr id="1" name=""/>
+        <p:cNvGrpSpPr/>
+        <p:nvPr/>
+      </p:nvGrpSpPr>
+      <p:grpSpPr>
+        <a:xfrm>
+          <a:off x="0" y="0"/>
+          <a:ext cx="0" cy="0"/>
+          <a:chOff x="0" y="0"/>
+          <a:chExt cx="0" cy="0"/>
+        </a:xfrm>
+      </p:grpSpPr>
+      <p:pic>
+        <p:nvPicPr>
+          <p:cNvPr id="5" name="Picture 4" descr="Chart&#10;&#10;Description automatically generated">
+            <a:extLst>
+              <a:ext uri="{FF2B5EF4-FFF2-40B4-BE49-F238E27FC236}">
+                <a16:creationId xmlns:a16="http://schemas.microsoft.com/office/drawing/2014/main" id="{2E4608F3-29A1-4348-B29D-8726EA22A334}"/>
+              </a:ext>
+            </a:extLst>
+          </p:cNvPr>
+          <p:cNvPicPr>
+            <a:picLocks noChangeAspect="1"/>
+          </p:cNvPicPr>
+          <p:nvPr/>
+        </p:nvPicPr>
+        <p:blipFill>
+          <a:blip r:embed="rId2">
+            <a:extLst>
+              <a:ext uri="{28A0092B-C50C-407E-A947-70E740481C1C}">
+                <a14:useLocalDpi xmlns:a14="http://schemas.microsoft.com/office/drawing/2010/main" val="0"/>
+              </a:ext>
+            </a:extLst>
+          </a:blip>
+          <a:stretch>
+            <a:fillRect/>
+          </a:stretch>
+        </p:blipFill>
+        <p:spPr>
+          <a:xfrm>
+            <a:off x="217996" y="923964"/>
+            <a:ext cx="4879876" cy="3659907"/>
+          </a:xfrm>
+          <a:prstGeom prst="rect">
+            <a:avLst/>
+          </a:prstGeom>
+        </p:spPr>
+      </p:pic>
+      <p:sp>
+        <p:nvSpPr>
+          <p:cNvPr id="8" name="TextBox 7">
+            <a:extLst>
+              <a:ext uri="{FF2B5EF4-FFF2-40B4-BE49-F238E27FC236}">
+                <a16:creationId xmlns:a16="http://schemas.microsoft.com/office/drawing/2014/main" id="{F009A9DE-0943-4048-8EC5-E85565C8338B}"/>
+              </a:ext>
+            </a:extLst>
+          </p:cNvPr>
+          <p:cNvSpPr txBox="1"/>
+          <p:nvPr/>
+        </p:nvSpPr>
+        <p:spPr>
+          <a:xfrm>
+            <a:off x="610119" y="4775296"/>
+            <a:ext cx="3881535" cy="369332"/>
+          </a:xfrm>
+          <a:prstGeom prst="rect">
+            <a:avLst/>
+          </a:prstGeom>
+          <a:noFill/>
+        </p:spPr>
+        <p:txBody>
+          <a:bodyPr wrap="square" rtlCol="0">
+            <a:spAutoFit/>
+          </a:bodyPr>
+          <a:lstStyle/>
+          <a:p>
+            <a:r>
+              <a:rPr lang="en-US" dirty="0"/>
+              <a:t>DEAP Results (20 run)</a:t>
+            </a:r>
+          </a:p>
+        </p:txBody>
+      </p:sp>
+      <p:sp>
+        <p:nvSpPr>
+          <p:cNvPr id="9" name="TextBox 8">
+            <a:extLst>
+              <a:ext uri="{FF2B5EF4-FFF2-40B4-BE49-F238E27FC236}">
+                <a16:creationId xmlns:a16="http://schemas.microsoft.com/office/drawing/2014/main" id="{A2EF9B87-5FF0-4BC8-9C4D-B2F7174AD6B0}"/>
+              </a:ext>
+            </a:extLst>
+          </p:cNvPr>
+          <p:cNvSpPr txBox="1"/>
+          <p:nvPr/>
+        </p:nvSpPr>
+        <p:spPr>
+          <a:xfrm>
+            <a:off x="7467751" y="4775296"/>
+            <a:ext cx="3881535" cy="369332"/>
+          </a:xfrm>
+          <a:prstGeom prst="rect">
+            <a:avLst/>
+          </a:prstGeom>
+          <a:noFill/>
+        </p:spPr>
+        <p:txBody>
+          <a:bodyPr wrap="square" rtlCol="0">
+            <a:spAutoFit/>
+          </a:bodyPr>
+          <a:lstStyle/>
+          <a:p>
+            <a:r>
+              <a:rPr lang="en-US" dirty="0"/>
+              <a:t>DEAP Results (20 run)</a:t>
+            </a:r>
+          </a:p>
+        </p:txBody>
+      </p:sp>
+      <p:sp>
+        <p:nvSpPr>
+          <p:cNvPr id="12" name="TextBox 11">
+            <a:extLst>
+              <a:ext uri="{FF2B5EF4-FFF2-40B4-BE49-F238E27FC236}">
+                <a16:creationId xmlns:a16="http://schemas.microsoft.com/office/drawing/2014/main" id="{A5973330-96EB-4FDD-8B0E-70E1B4848D85}"/>
+              </a:ext>
+            </a:extLst>
+          </p:cNvPr>
+          <p:cNvSpPr txBox="1"/>
+          <p:nvPr/>
+        </p:nvSpPr>
+        <p:spPr>
+          <a:xfrm>
+            <a:off x="610119" y="5284089"/>
+            <a:ext cx="4095631" cy="276999"/>
+          </a:xfrm>
+          <a:prstGeom prst="rect">
+            <a:avLst/>
+          </a:prstGeom>
+          <a:noFill/>
+        </p:spPr>
+        <p:txBody>
+          <a:bodyPr wrap="square" rtlCol="0">
+            <a:spAutoFit/>
+          </a:bodyPr>
+          <a:lstStyle/>
+          <a:p>
+            <a:r>
+              <a:rPr lang="en-US" sz="1200" dirty="0"/>
+              <a:t>Using Arithmetic operators </a:t>
+            </a:r>
+          </a:p>
+        </p:txBody>
+      </p:sp>
+      <p:sp>
+        <p:nvSpPr>
+          <p:cNvPr id="13" name="TextBox 12">
+            <a:extLst>
+              <a:ext uri="{FF2B5EF4-FFF2-40B4-BE49-F238E27FC236}">
+                <a16:creationId xmlns:a16="http://schemas.microsoft.com/office/drawing/2014/main" id="{0B2A5E4D-CACC-4DAF-84E7-CACE633AA53B}"/>
+              </a:ext>
+            </a:extLst>
+          </p:cNvPr>
+          <p:cNvSpPr txBox="1"/>
+          <p:nvPr/>
+        </p:nvSpPr>
+        <p:spPr>
+          <a:xfrm>
+            <a:off x="7467751" y="5191332"/>
+            <a:ext cx="2025042" cy="276999"/>
+          </a:xfrm>
+          <a:prstGeom prst="rect">
+            <a:avLst/>
+          </a:prstGeom>
+          <a:noFill/>
+        </p:spPr>
+        <p:txBody>
+          <a:bodyPr wrap="none" rtlCol="0">
+            <a:spAutoFit/>
+          </a:bodyPr>
+          <a:lstStyle/>
+          <a:p>
+            <a:r>
+              <a:rPr lang="en-US" sz="1200" dirty="0"/>
+              <a:t>With added logical operators</a:t>
+            </a:r>
+          </a:p>
+        </p:txBody>
+      </p:sp>
+      <p:pic>
+        <p:nvPicPr>
+          <p:cNvPr id="3" name="Picture 2" descr="Chart&#10;&#10;Description automatically generated">
+            <a:extLst>
+              <a:ext uri="{FF2B5EF4-FFF2-40B4-BE49-F238E27FC236}">
+                <a16:creationId xmlns:a16="http://schemas.microsoft.com/office/drawing/2014/main" id="{ED4E4D3E-36D2-4CA7-8D30-F7860D2B01CB}"/>
+              </a:ext>
+            </a:extLst>
+          </p:cNvPr>
+          <p:cNvPicPr>
+            <a:picLocks noChangeAspect="1"/>
+          </p:cNvPicPr>
+          <p:nvPr/>
+        </p:nvPicPr>
+        <p:blipFill>
+          <a:blip r:embed="rId3">
+            <a:extLst>
+              <a:ext uri="{28A0092B-C50C-407E-A947-70E740481C1C}">
+                <a14:useLocalDpi xmlns:a14="http://schemas.microsoft.com/office/drawing/2010/main" val="0"/>
+              </a:ext>
+            </a:extLst>
+          </a:blip>
+          <a:stretch>
+            <a:fillRect/>
+          </a:stretch>
+        </p:blipFill>
+        <p:spPr>
+          <a:xfrm>
+            <a:off x="6829424" y="923965"/>
+            <a:ext cx="4879877" cy="3659908"/>
+          </a:xfrm>
+          <a:prstGeom prst="rect">
+            <a:avLst/>
+          </a:prstGeom>
+        </p:spPr>
+      </p:pic>
+    </p:spTree>
+    <p:extLst>
+      <p:ext uri="{BB962C8B-B14F-4D97-AF65-F5344CB8AC3E}">
+        <p14:creationId xmlns:p14="http://schemas.microsoft.com/office/powerpoint/2010/main" val="234519061"/>
       </p:ext>
     </p:extLst>
   </p:cSld>
